--- a/99_チーム内打合せ用（総合演習）/成果発表会_個人発表作成内容_mukaiyama.pptx
+++ b/99_チーム内打合せ用（総合演習）/成果発表会_個人発表作成内容_mukaiyama.pptx
@@ -5,8 +5,9 @@
     <p:sldMasterId id="2147483684" r:id="rId1"/>
   </p:sldMasterIdLst>
   <p:sldIdLst>
-    <p:sldId id="257" r:id="rId2"/>
-    <p:sldId id="258" r:id="rId3"/>
+    <p:sldId id="258" r:id="rId2"/>
+    <p:sldId id="259" r:id="rId3"/>
+    <p:sldId id="260" r:id="rId4"/>
   </p:sldIdLst>
   <p:sldSz cx="9144000" cy="6858000" type="screen4x3"/>
   <p:notesSz cx="6858000" cy="9144000"/>
@@ -5574,7 +5575,7 @@
                 <a:latin typeface="+mn-ea"/>
                 <a:cs typeface="メイリオ" panose="020B0604030504040204" pitchFamily="50" charset="-128"/>
               </a:rPr>
-              <a:t>プレゼンテーション概要</a:t>
+              <a:t>苦労した点</a:t>
             </a:r>
             <a:endParaRPr lang="en-US" altLang="ja-JP" sz="3200" dirty="0" smtClean="0">
               <a:latin typeface="+mn-ea"/>
@@ -5587,120 +5588,18 @@
               <a:buNone/>
             </a:pPr>
             <a:r>
+              <a:rPr lang="ja-JP" altLang="en-US" sz="3200" dirty="0">
+                <a:latin typeface="+mn-ea"/>
+                <a:cs typeface="メイリオ" panose="020B0604030504040204" pitchFamily="50" charset="-128"/>
+              </a:rPr>
+              <a:t>　</a:t>
+            </a:r>
+            <a:r>
               <a:rPr lang="ja-JP" altLang="en-US" sz="3200" dirty="0" smtClean="0">
                 <a:latin typeface="+mn-ea"/>
                 <a:cs typeface="メイリオ" panose="020B0604030504040204" pitchFamily="50" charset="-128"/>
               </a:rPr>
-              <a:t>　・発表時間は５～６分（</a:t>
-            </a:r>
-            <a:r>
-              <a:rPr lang="en-US" altLang="ja-JP" sz="3200" dirty="0" smtClean="0">
-                <a:latin typeface="+mn-ea"/>
-                <a:cs typeface="メイリオ" panose="020B0604030504040204" pitchFamily="50" charset="-128"/>
-              </a:rPr>
-              <a:t>16</a:t>
-            </a:r>
-            <a:r>
-              <a:rPr lang="ja-JP" altLang="en-US" sz="3200" dirty="0" smtClean="0">
-                <a:latin typeface="+mn-ea"/>
-                <a:cs typeface="メイリオ" panose="020B0604030504040204" pitchFamily="50" charset="-128"/>
-              </a:rPr>
-              <a:t>：</a:t>
-            </a:r>
-            <a:r>
-              <a:rPr lang="en-US" altLang="ja-JP" sz="3200" dirty="0" smtClean="0">
-                <a:latin typeface="+mn-ea"/>
-                <a:cs typeface="メイリオ" panose="020B0604030504040204" pitchFamily="50" charset="-128"/>
-              </a:rPr>
-              <a:t>30</a:t>
-            </a:r>
-            <a:r>
-              <a:rPr lang="ja-JP" altLang="en-US" sz="3200" dirty="0" smtClean="0">
-                <a:latin typeface="+mn-ea"/>
-                <a:cs typeface="メイリオ" panose="020B0604030504040204" pitchFamily="50" charset="-128"/>
-              </a:rPr>
-              <a:t>から開始致します。）</a:t>
-            </a:r>
-            <a:r>
-              <a:rPr lang="en-US" altLang="ja-JP" sz="3200" dirty="0" smtClean="0">
-                <a:latin typeface="+mn-ea"/>
-                <a:cs typeface="メイリオ" panose="020B0604030504040204" pitchFamily="50" charset="-128"/>
-              </a:rPr>
-              <a:t/>
-            </a:r>
-            <a:br>
-              <a:rPr lang="en-US" altLang="ja-JP" sz="3200" dirty="0" smtClean="0">
-                <a:latin typeface="+mn-ea"/>
-                <a:cs typeface="メイリオ" panose="020B0604030504040204" pitchFamily="50" charset="-128"/>
-              </a:rPr>
-            </a:br>
-            <a:r>
-              <a:rPr lang="ja-JP" altLang="en-US" sz="3200" dirty="0" smtClean="0">
-                <a:latin typeface="+mn-ea"/>
-                <a:cs typeface="メイリオ" panose="020B0604030504040204" pitchFamily="50" charset="-128"/>
-              </a:rPr>
-              <a:t>・発表時間厳守！！</a:t>
-            </a:r>
-            <a:endParaRPr lang="en-US" altLang="ja-JP" sz="3200" dirty="0" smtClean="0">
-              <a:latin typeface="+mn-ea"/>
-              <a:cs typeface="メイリオ" panose="020B0604030504040204" pitchFamily="50" charset="-128"/>
-            </a:endParaRPr>
-          </a:p>
-          <a:p>
-            <a:pPr eaLnBrk="1" hangingPunct="1">
-              <a:buFont typeface="Wingdings 3" panose="05040102010807070707" pitchFamily="18" charset="2"/>
-              <a:buNone/>
-            </a:pPr>
-            <a:r>
-              <a:rPr lang="ja-JP" altLang="en-US" sz="3200" dirty="0" smtClean="0">
-                <a:latin typeface="+mn-ea"/>
-                <a:cs typeface="メイリオ" panose="020B0604030504040204" pitchFamily="50" charset="-128"/>
-              </a:rPr>
-              <a:t>　　　・スライドの枚数指定はなし！</a:t>
-            </a:r>
-            <a:endParaRPr lang="en-US" altLang="ja-JP" sz="3200" dirty="0" smtClean="0">
-              <a:latin typeface="+mn-ea"/>
-              <a:cs typeface="メイリオ" panose="020B0604030504040204" pitchFamily="50" charset="-128"/>
-            </a:endParaRPr>
-          </a:p>
-          <a:p>
-            <a:pPr eaLnBrk="1" hangingPunct="1">
-              <a:buFont typeface="Wingdings 3" panose="05040102010807070707" pitchFamily="18" charset="2"/>
-              <a:buNone/>
-            </a:pPr>
-            <a:r>
-              <a:rPr lang="ja-JP" altLang="en-US" sz="3200" dirty="0" smtClean="0">
-                <a:latin typeface="+mn-ea"/>
-                <a:cs typeface="メイリオ" panose="020B0604030504040204" pitchFamily="50" charset="-128"/>
-              </a:rPr>
-              <a:t>　・字は大きめに！</a:t>
-            </a:r>
-            <a:r>
-              <a:rPr lang="en-US" altLang="ja-JP" sz="3200" dirty="0" smtClean="0">
-                <a:latin typeface="+mn-ea"/>
-                <a:cs typeface="メイリオ" panose="020B0604030504040204" pitchFamily="50" charset="-128"/>
-              </a:rPr>
-              <a:t/>
-            </a:r>
-            <a:br>
-              <a:rPr lang="en-US" altLang="ja-JP" sz="3200" dirty="0" smtClean="0">
-                <a:latin typeface="+mn-ea"/>
-                <a:cs typeface="メイリオ" panose="020B0604030504040204" pitchFamily="50" charset="-128"/>
-              </a:rPr>
-            </a:br>
-            <a:endParaRPr lang="en-US" altLang="ja-JP" sz="800" dirty="0" smtClean="0">
-              <a:latin typeface="+mn-ea"/>
-              <a:cs typeface="メイリオ" panose="020B0604030504040204" pitchFamily="50" charset="-128"/>
-            </a:endParaRPr>
-          </a:p>
-          <a:p>
-            <a:pPr eaLnBrk="1" hangingPunct="1"/>
-            <a:r>
-              <a:rPr lang="ja-JP" altLang="en-US" sz="3200" dirty="0" smtClean="0">
-                <a:latin typeface="+mn-ea"/>
-                <a:cs typeface="メイリオ" panose="020B0604030504040204" pitchFamily="50" charset="-128"/>
-              </a:rPr>
-              <a:t>発表項目</a:t>
+              <a:t>・結合テストでのバグ多発→最後まで改善できず</a:t>
             </a:r>
             <a:endParaRPr lang="en-US" altLang="ja-JP" sz="3200" dirty="0" smtClean="0">
               <a:latin typeface="+mn-ea"/>
@@ -5741,7 +5640,15 @@
                   <a:srgbClr val="FF0000"/>
                 </a:solidFill>
               </a:rPr>
-              <a:t>成果発表会　資料作成概要</a:t>
+              <a:t>成果</a:t>
+            </a:r>
+            <a:r>
+              <a:rPr lang="ja-JP" altLang="en-US" dirty="0" smtClean="0">
+                <a:solidFill>
+                  <a:srgbClr val="FF0000"/>
+                </a:solidFill>
+              </a:rPr>
+              <a:t>発表（向山）</a:t>
             </a:r>
             <a:endParaRPr lang="ja-JP" altLang="en-US" dirty="0">
               <a:solidFill>
@@ -5751,487 +5658,12 @@
           </a:p>
         </p:txBody>
       </p:sp>
-      <p:sp>
-        <p:nvSpPr>
-          <p:cNvPr id="3" name="正方形/長方形 2"/>
-          <p:cNvSpPr/>
-          <p:nvPr/>
-        </p:nvSpPr>
-        <p:spPr>
-          <a:xfrm>
-            <a:off x="3816424" y="4437112"/>
-            <a:ext cx="4572000" cy="1570038"/>
-          </a:xfrm>
-          <a:prstGeom prst="rect">
-            <a:avLst/>
-          </a:prstGeom>
-        </p:spPr>
-        <p:txBody>
-          <a:bodyPr>
-            <a:spAutoFit/>
-          </a:bodyPr>
-          <a:lstStyle>
-            <a:lvl1pPr marL="342900" indent="-342900">
-              <a:spcBef>
-                <a:spcPts val="400"/>
-              </a:spcBef>
-              <a:buClr>
-                <a:schemeClr val="accent1"/>
-              </a:buClr>
-              <a:buSzPct val="68000"/>
-              <a:buFont typeface="Wingdings 3" panose="05040102010807070707" pitchFamily="18" charset="2"/>
-              <a:buChar char=""/>
-              <a:defRPr kumimoji="1" sz="2700">
-                <a:solidFill>
-                  <a:schemeClr val="tx1"/>
-                </a:solidFill>
-                <a:latin typeface="Lucida Sans Unicode" panose="020B0602030504020204" pitchFamily="34" charset="0"/>
-                <a:ea typeface="ＭＳ Ｐゴシック" panose="020B0600070205080204" pitchFamily="50" charset="-128"/>
-              </a:defRPr>
-            </a:lvl1pPr>
-            <a:lvl2pPr>
-              <a:spcBef>
-                <a:spcPts val="325"/>
-              </a:spcBef>
-              <a:buClr>
-                <a:schemeClr val="accent1"/>
-              </a:buClr>
-              <a:buFont typeface="Verdana" panose="020B0604030504040204" pitchFamily="34" charset="0"/>
-              <a:buChar char="◦"/>
-              <a:defRPr kumimoji="1" sz="2300">
-                <a:solidFill>
-                  <a:schemeClr val="tx1"/>
-                </a:solidFill>
-                <a:latin typeface="Lucida Sans Unicode" panose="020B0602030504020204" pitchFamily="34" charset="0"/>
-                <a:ea typeface="ＭＳ Ｐゴシック" panose="020B0600070205080204" pitchFamily="50" charset="-128"/>
-              </a:defRPr>
-            </a:lvl2pPr>
-            <a:lvl3pPr marL="1143000" indent="-228600">
-              <a:spcBef>
-                <a:spcPts val="350"/>
-              </a:spcBef>
-              <a:buClr>
-                <a:schemeClr val="accent2"/>
-              </a:buClr>
-              <a:buSzPct val="100000"/>
-              <a:buFont typeface="Wingdings 2" panose="05020102010507070707" pitchFamily="18" charset="2"/>
-              <a:buChar char=""/>
-              <a:defRPr kumimoji="1" sz="2100">
-                <a:solidFill>
-                  <a:schemeClr val="tx1"/>
-                </a:solidFill>
-                <a:latin typeface="Lucida Sans Unicode" panose="020B0602030504020204" pitchFamily="34" charset="0"/>
-                <a:ea typeface="ＭＳ Ｐゴシック" panose="020B0600070205080204" pitchFamily="50" charset="-128"/>
-              </a:defRPr>
-            </a:lvl3pPr>
-            <a:lvl4pPr marL="1600200" indent="-228600">
-              <a:spcBef>
-                <a:spcPts val="350"/>
-              </a:spcBef>
-              <a:buClr>
-                <a:schemeClr val="accent2"/>
-              </a:buClr>
-              <a:buFont typeface="Wingdings 2" panose="05020102010507070707" pitchFamily="18" charset="2"/>
-              <a:buChar char=""/>
-              <a:defRPr kumimoji="1" sz="1900">
-                <a:solidFill>
-                  <a:schemeClr val="tx1"/>
-                </a:solidFill>
-                <a:latin typeface="Lucida Sans Unicode" panose="020B0602030504020204" pitchFamily="34" charset="0"/>
-                <a:ea typeface="ＭＳ Ｐゴシック" panose="020B0600070205080204" pitchFamily="50" charset="-128"/>
-              </a:defRPr>
-            </a:lvl4pPr>
-            <a:lvl5pPr marL="2057400" indent="-228600">
-              <a:spcBef>
-                <a:spcPts val="350"/>
-              </a:spcBef>
-              <a:buClr>
-                <a:schemeClr val="accent2"/>
-              </a:buClr>
-              <a:buFont typeface="Wingdings 2" panose="05020102010507070707" pitchFamily="18" charset="2"/>
-              <a:buChar char=""/>
-              <a:defRPr kumimoji="1">
-                <a:solidFill>
-                  <a:schemeClr val="tx1"/>
-                </a:solidFill>
-                <a:latin typeface="Lucida Sans Unicode" panose="020B0602030504020204" pitchFamily="34" charset="0"/>
-                <a:ea typeface="ＭＳ Ｐゴシック" panose="020B0600070205080204" pitchFamily="50" charset="-128"/>
-              </a:defRPr>
-            </a:lvl5pPr>
-            <a:lvl6pPr marL="2514600" indent="-228600" eaLnBrk="0" fontAlgn="base" hangingPunct="0">
-              <a:spcBef>
-                <a:spcPts val="350"/>
-              </a:spcBef>
-              <a:spcAft>
-                <a:spcPct val="0"/>
-              </a:spcAft>
-              <a:buClr>
-                <a:schemeClr val="accent2"/>
-              </a:buClr>
-              <a:buFont typeface="Wingdings 2" panose="05020102010507070707" pitchFamily="18" charset="2"/>
-              <a:buChar char=""/>
-              <a:defRPr kumimoji="1">
-                <a:solidFill>
-                  <a:schemeClr val="tx1"/>
-                </a:solidFill>
-                <a:latin typeface="Lucida Sans Unicode" panose="020B0602030504020204" pitchFamily="34" charset="0"/>
-                <a:ea typeface="ＭＳ Ｐゴシック" panose="020B0600070205080204" pitchFamily="50" charset="-128"/>
-              </a:defRPr>
-            </a:lvl6pPr>
-            <a:lvl7pPr marL="2971800" indent="-228600" eaLnBrk="0" fontAlgn="base" hangingPunct="0">
-              <a:spcBef>
-                <a:spcPts val="350"/>
-              </a:spcBef>
-              <a:spcAft>
-                <a:spcPct val="0"/>
-              </a:spcAft>
-              <a:buClr>
-                <a:schemeClr val="accent2"/>
-              </a:buClr>
-              <a:buFont typeface="Wingdings 2" panose="05020102010507070707" pitchFamily="18" charset="2"/>
-              <a:buChar char=""/>
-              <a:defRPr kumimoji="1">
-                <a:solidFill>
-                  <a:schemeClr val="tx1"/>
-                </a:solidFill>
-                <a:latin typeface="Lucida Sans Unicode" panose="020B0602030504020204" pitchFamily="34" charset="0"/>
-                <a:ea typeface="ＭＳ Ｐゴシック" panose="020B0600070205080204" pitchFamily="50" charset="-128"/>
-              </a:defRPr>
-            </a:lvl7pPr>
-            <a:lvl8pPr marL="3429000" indent="-228600" eaLnBrk="0" fontAlgn="base" hangingPunct="0">
-              <a:spcBef>
-                <a:spcPts val="350"/>
-              </a:spcBef>
-              <a:spcAft>
-                <a:spcPct val="0"/>
-              </a:spcAft>
-              <a:buClr>
-                <a:schemeClr val="accent2"/>
-              </a:buClr>
-              <a:buFont typeface="Wingdings 2" panose="05020102010507070707" pitchFamily="18" charset="2"/>
-              <a:buChar char=""/>
-              <a:defRPr kumimoji="1">
-                <a:solidFill>
-                  <a:schemeClr val="tx1"/>
-                </a:solidFill>
-                <a:latin typeface="Lucida Sans Unicode" panose="020B0602030504020204" pitchFamily="34" charset="0"/>
-                <a:ea typeface="ＭＳ Ｐゴシック" panose="020B0600070205080204" pitchFamily="50" charset="-128"/>
-              </a:defRPr>
-            </a:lvl8pPr>
-            <a:lvl9pPr marL="3886200" indent="-228600" eaLnBrk="0" fontAlgn="base" hangingPunct="0">
-              <a:spcBef>
-                <a:spcPts val="350"/>
-              </a:spcBef>
-              <a:spcAft>
-                <a:spcPct val="0"/>
-              </a:spcAft>
-              <a:buClr>
-                <a:schemeClr val="accent2"/>
-              </a:buClr>
-              <a:buFont typeface="Wingdings 2" panose="05020102010507070707" pitchFamily="18" charset="2"/>
-              <a:buChar char=""/>
-              <a:defRPr kumimoji="1">
-                <a:solidFill>
-                  <a:schemeClr val="tx1"/>
-                </a:solidFill>
-                <a:latin typeface="Lucida Sans Unicode" panose="020B0602030504020204" pitchFamily="34" charset="0"/>
-                <a:ea typeface="ＭＳ Ｐゴシック" panose="020B0600070205080204" pitchFamily="50" charset="-128"/>
-              </a:defRPr>
-            </a:lvl9pPr>
-          </a:lstStyle>
-          <a:p>
-            <a:pPr lvl="1" eaLnBrk="1" hangingPunct="1">
-              <a:spcBef>
-                <a:spcPct val="0"/>
-              </a:spcBef>
-              <a:buClrTx/>
-              <a:buFontTx/>
-              <a:buNone/>
-            </a:pPr>
-            <a:r>
-              <a:rPr lang="ja-JP" altLang="en-US" sz="3200" dirty="0">
-                <a:latin typeface="+mn-ea"/>
-                <a:ea typeface="+mn-ea"/>
-                <a:cs typeface="メイリオ" panose="020B0604030504040204" pitchFamily="50" charset="-128"/>
-              </a:rPr>
-              <a:t>・身についた点</a:t>
-            </a:r>
-          </a:p>
-          <a:p>
-            <a:pPr lvl="1" eaLnBrk="1" hangingPunct="1">
-              <a:spcBef>
-                <a:spcPct val="0"/>
-              </a:spcBef>
-              <a:buClrTx/>
-              <a:buFontTx/>
-              <a:buNone/>
-            </a:pPr>
-            <a:r>
-              <a:rPr lang="ja-JP" altLang="en-US" sz="3200" dirty="0">
-                <a:latin typeface="+mn-ea"/>
-                <a:ea typeface="+mn-ea"/>
-                <a:cs typeface="メイリオ" panose="020B0604030504040204" pitchFamily="50" charset="-128"/>
-              </a:rPr>
-              <a:t>・良かった点</a:t>
-            </a:r>
-          </a:p>
-          <a:p>
-            <a:pPr lvl="1" eaLnBrk="1" hangingPunct="1">
-              <a:spcBef>
-                <a:spcPct val="0"/>
-              </a:spcBef>
-              <a:buClrTx/>
-              <a:buFontTx/>
-              <a:buNone/>
-            </a:pPr>
-            <a:r>
-              <a:rPr lang="ja-JP" altLang="en-US" sz="3200" dirty="0">
-                <a:latin typeface="+mn-ea"/>
-                <a:ea typeface="+mn-ea"/>
-                <a:cs typeface="メイリオ" panose="020B0604030504040204" pitchFamily="50" charset="-128"/>
-              </a:rPr>
-              <a:t>・これからの意気込み</a:t>
-            </a:r>
-          </a:p>
-        </p:txBody>
-      </p:sp>
-      <p:sp>
-        <p:nvSpPr>
-          <p:cNvPr id="5" name="正方形/長方形 4"/>
-          <p:cNvSpPr/>
-          <p:nvPr/>
-        </p:nvSpPr>
-        <p:spPr>
-          <a:xfrm>
-            <a:off x="323528" y="4437112"/>
-            <a:ext cx="4572000" cy="1077912"/>
-          </a:xfrm>
-          <a:prstGeom prst="rect">
-            <a:avLst/>
-          </a:prstGeom>
-        </p:spPr>
-        <p:txBody>
-          <a:bodyPr>
-            <a:spAutoFit/>
-          </a:bodyPr>
-          <a:lstStyle>
-            <a:lvl1pPr marL="342900" indent="-342900">
-              <a:spcBef>
-                <a:spcPts val="400"/>
-              </a:spcBef>
-              <a:buClr>
-                <a:schemeClr val="accent1"/>
-              </a:buClr>
-              <a:buSzPct val="68000"/>
-              <a:buFont typeface="Wingdings 3" panose="05040102010807070707" pitchFamily="18" charset="2"/>
-              <a:buChar char=""/>
-              <a:defRPr kumimoji="1" sz="2700">
-                <a:solidFill>
-                  <a:schemeClr val="tx1"/>
-                </a:solidFill>
-                <a:latin typeface="Lucida Sans Unicode" panose="020B0602030504020204" pitchFamily="34" charset="0"/>
-                <a:ea typeface="ＭＳ Ｐゴシック" panose="020B0600070205080204" pitchFamily="50" charset="-128"/>
-              </a:defRPr>
-            </a:lvl1pPr>
-            <a:lvl2pPr>
-              <a:spcBef>
-                <a:spcPts val="325"/>
-              </a:spcBef>
-              <a:buClr>
-                <a:schemeClr val="accent1"/>
-              </a:buClr>
-              <a:buFont typeface="Verdana" panose="020B0604030504040204" pitchFamily="34" charset="0"/>
-              <a:buChar char="◦"/>
-              <a:defRPr kumimoji="1" sz="2300">
-                <a:solidFill>
-                  <a:schemeClr val="tx1"/>
-                </a:solidFill>
-                <a:latin typeface="Lucida Sans Unicode" panose="020B0602030504020204" pitchFamily="34" charset="0"/>
-                <a:ea typeface="ＭＳ Ｐゴシック" panose="020B0600070205080204" pitchFamily="50" charset="-128"/>
-              </a:defRPr>
-            </a:lvl2pPr>
-            <a:lvl3pPr marL="1143000" indent="-228600">
-              <a:spcBef>
-                <a:spcPts val="350"/>
-              </a:spcBef>
-              <a:buClr>
-                <a:schemeClr val="accent2"/>
-              </a:buClr>
-              <a:buSzPct val="100000"/>
-              <a:buFont typeface="Wingdings 2" panose="05020102010507070707" pitchFamily="18" charset="2"/>
-              <a:buChar char=""/>
-              <a:defRPr kumimoji="1" sz="2100">
-                <a:solidFill>
-                  <a:schemeClr val="tx1"/>
-                </a:solidFill>
-                <a:latin typeface="Lucida Sans Unicode" panose="020B0602030504020204" pitchFamily="34" charset="0"/>
-                <a:ea typeface="ＭＳ Ｐゴシック" panose="020B0600070205080204" pitchFamily="50" charset="-128"/>
-              </a:defRPr>
-            </a:lvl3pPr>
-            <a:lvl4pPr marL="1600200" indent="-228600">
-              <a:spcBef>
-                <a:spcPts val="350"/>
-              </a:spcBef>
-              <a:buClr>
-                <a:schemeClr val="accent2"/>
-              </a:buClr>
-              <a:buFont typeface="Wingdings 2" panose="05020102010507070707" pitchFamily="18" charset="2"/>
-              <a:buChar char=""/>
-              <a:defRPr kumimoji="1" sz="1900">
-                <a:solidFill>
-                  <a:schemeClr val="tx1"/>
-                </a:solidFill>
-                <a:latin typeface="Lucida Sans Unicode" panose="020B0602030504020204" pitchFamily="34" charset="0"/>
-                <a:ea typeface="ＭＳ Ｐゴシック" panose="020B0600070205080204" pitchFamily="50" charset="-128"/>
-              </a:defRPr>
-            </a:lvl4pPr>
-            <a:lvl5pPr marL="2057400" indent="-228600">
-              <a:spcBef>
-                <a:spcPts val="350"/>
-              </a:spcBef>
-              <a:buClr>
-                <a:schemeClr val="accent2"/>
-              </a:buClr>
-              <a:buFont typeface="Wingdings 2" panose="05020102010507070707" pitchFamily="18" charset="2"/>
-              <a:buChar char=""/>
-              <a:defRPr kumimoji="1">
-                <a:solidFill>
-                  <a:schemeClr val="tx1"/>
-                </a:solidFill>
-                <a:latin typeface="Lucida Sans Unicode" panose="020B0602030504020204" pitchFamily="34" charset="0"/>
-                <a:ea typeface="ＭＳ Ｐゴシック" panose="020B0600070205080204" pitchFamily="50" charset="-128"/>
-              </a:defRPr>
-            </a:lvl5pPr>
-            <a:lvl6pPr marL="2514600" indent="-228600" eaLnBrk="0" fontAlgn="base" hangingPunct="0">
-              <a:spcBef>
-                <a:spcPts val="350"/>
-              </a:spcBef>
-              <a:spcAft>
-                <a:spcPct val="0"/>
-              </a:spcAft>
-              <a:buClr>
-                <a:schemeClr val="accent2"/>
-              </a:buClr>
-              <a:buFont typeface="Wingdings 2" panose="05020102010507070707" pitchFamily="18" charset="2"/>
-              <a:buChar char=""/>
-              <a:defRPr kumimoji="1">
-                <a:solidFill>
-                  <a:schemeClr val="tx1"/>
-                </a:solidFill>
-                <a:latin typeface="Lucida Sans Unicode" panose="020B0602030504020204" pitchFamily="34" charset="0"/>
-                <a:ea typeface="ＭＳ Ｐゴシック" panose="020B0600070205080204" pitchFamily="50" charset="-128"/>
-              </a:defRPr>
-            </a:lvl6pPr>
-            <a:lvl7pPr marL="2971800" indent="-228600" eaLnBrk="0" fontAlgn="base" hangingPunct="0">
-              <a:spcBef>
-                <a:spcPts val="350"/>
-              </a:spcBef>
-              <a:spcAft>
-                <a:spcPct val="0"/>
-              </a:spcAft>
-              <a:buClr>
-                <a:schemeClr val="accent2"/>
-              </a:buClr>
-              <a:buFont typeface="Wingdings 2" panose="05020102010507070707" pitchFamily="18" charset="2"/>
-              <a:buChar char=""/>
-              <a:defRPr kumimoji="1">
-                <a:solidFill>
-                  <a:schemeClr val="tx1"/>
-                </a:solidFill>
-                <a:latin typeface="Lucida Sans Unicode" panose="020B0602030504020204" pitchFamily="34" charset="0"/>
-                <a:ea typeface="ＭＳ Ｐゴシック" panose="020B0600070205080204" pitchFamily="50" charset="-128"/>
-              </a:defRPr>
-            </a:lvl7pPr>
-            <a:lvl8pPr marL="3429000" indent="-228600" eaLnBrk="0" fontAlgn="base" hangingPunct="0">
-              <a:spcBef>
-                <a:spcPts val="350"/>
-              </a:spcBef>
-              <a:spcAft>
-                <a:spcPct val="0"/>
-              </a:spcAft>
-              <a:buClr>
-                <a:schemeClr val="accent2"/>
-              </a:buClr>
-              <a:buFont typeface="Wingdings 2" panose="05020102010507070707" pitchFamily="18" charset="2"/>
-              <a:buChar char=""/>
-              <a:defRPr kumimoji="1">
-                <a:solidFill>
-                  <a:schemeClr val="tx1"/>
-                </a:solidFill>
-                <a:latin typeface="Lucida Sans Unicode" panose="020B0602030504020204" pitchFamily="34" charset="0"/>
-                <a:ea typeface="ＭＳ Ｐゴシック" panose="020B0600070205080204" pitchFamily="50" charset="-128"/>
-              </a:defRPr>
-            </a:lvl8pPr>
-            <a:lvl9pPr marL="3886200" indent="-228600" eaLnBrk="0" fontAlgn="base" hangingPunct="0">
-              <a:spcBef>
-                <a:spcPts val="350"/>
-              </a:spcBef>
-              <a:spcAft>
-                <a:spcPct val="0"/>
-              </a:spcAft>
-              <a:buClr>
-                <a:schemeClr val="accent2"/>
-              </a:buClr>
-              <a:buFont typeface="Wingdings 2" panose="05020102010507070707" pitchFamily="18" charset="2"/>
-              <a:buChar char=""/>
-              <a:defRPr kumimoji="1">
-                <a:solidFill>
-                  <a:schemeClr val="tx1"/>
-                </a:solidFill>
-                <a:latin typeface="Lucida Sans Unicode" panose="020B0602030504020204" pitchFamily="34" charset="0"/>
-                <a:ea typeface="ＭＳ Ｐゴシック" panose="020B0600070205080204" pitchFamily="50" charset="-128"/>
-              </a:defRPr>
-            </a:lvl9pPr>
-          </a:lstStyle>
-          <a:p>
-            <a:pPr lvl="1" eaLnBrk="1" hangingPunct="1">
-              <a:spcBef>
-                <a:spcPct val="0"/>
-              </a:spcBef>
-              <a:buClrTx/>
-              <a:buFontTx/>
-              <a:buNone/>
-            </a:pPr>
-            <a:r>
-              <a:rPr lang="ja-JP" altLang="en-US" sz="3200" dirty="0">
-                <a:latin typeface="+mn-ea"/>
-                <a:ea typeface="+mn-ea"/>
-                <a:cs typeface="メイリオ" panose="020B0604030504040204" pitchFamily="50" charset="-128"/>
-              </a:rPr>
-              <a:t>・苦労した点</a:t>
-            </a:r>
-            <a:endParaRPr lang="en-US" altLang="ja-JP" sz="3200" dirty="0">
-              <a:latin typeface="+mn-ea"/>
-              <a:ea typeface="+mn-ea"/>
-              <a:cs typeface="メイリオ" panose="020B0604030504040204" pitchFamily="50" charset="-128"/>
-            </a:endParaRPr>
-          </a:p>
-          <a:p>
-            <a:pPr lvl="1" eaLnBrk="1" hangingPunct="1">
-              <a:spcBef>
-                <a:spcPct val="0"/>
-              </a:spcBef>
-              <a:buClrTx/>
-              <a:buFontTx/>
-              <a:buNone/>
-            </a:pPr>
-            <a:r>
-              <a:rPr lang="ja-JP" altLang="en-US" sz="3200" dirty="0">
-                <a:latin typeface="+mn-ea"/>
-                <a:ea typeface="+mn-ea"/>
-                <a:cs typeface="メイリオ" panose="020B0604030504040204" pitchFamily="50" charset="-128"/>
-              </a:rPr>
-              <a:t>・どう改善したか</a:t>
-            </a:r>
-            <a:endParaRPr lang="en-US" altLang="ja-JP" sz="3200" dirty="0">
-              <a:latin typeface="+mn-ea"/>
-              <a:ea typeface="+mn-ea"/>
-              <a:cs typeface="メイリオ" panose="020B0604030504040204" pitchFamily="50" charset="-128"/>
-            </a:endParaRPr>
-          </a:p>
-        </p:txBody>
-      </p:sp>
     </p:spTree>
+    <p:extLst>
+      <p:ext uri="{BB962C8B-B14F-4D97-AF65-F5344CB8AC3E}">
+        <p14:creationId xmlns:p14="http://schemas.microsoft.com/office/powerpoint/2010/main" val="929236711"/>
+      </p:ext>
+    </p:extLst>
   </p:cSld>
   <p:clrMapOvr>
     <a:masterClrMapping/>
@@ -6289,7 +5721,81 @@
                 <a:latin typeface="+mn-ea"/>
                 <a:cs typeface="メイリオ" panose="020B0604030504040204" pitchFamily="50" charset="-128"/>
               </a:rPr>
-              <a:t>苦労した点</a:t>
+              <a:t>原因</a:t>
+            </a:r>
+            <a:endParaRPr lang="en-US" altLang="ja-JP" sz="3200" dirty="0">
+              <a:latin typeface="+mn-ea"/>
+              <a:cs typeface="メイリオ" panose="020B0604030504040204" pitchFamily="50" charset="-128"/>
+            </a:endParaRPr>
+          </a:p>
+          <a:p>
+            <a:pPr marL="109537" indent="0" eaLnBrk="1" hangingPunct="1">
+              <a:buNone/>
+            </a:pPr>
+            <a:r>
+              <a:rPr lang="ja-JP" altLang="en-US" sz="3200" dirty="0">
+                <a:latin typeface="+mn-ea"/>
+                <a:cs typeface="メイリオ" panose="020B0604030504040204" pitchFamily="50" charset="-128"/>
+              </a:rPr>
+              <a:t>　</a:t>
+            </a:r>
+            <a:r>
+              <a:rPr lang="ja-JP" altLang="en-US" sz="3200" dirty="0" smtClean="0">
+                <a:latin typeface="+mn-ea"/>
+                <a:cs typeface="メイリオ" panose="020B0604030504040204" pitchFamily="50" charset="-128"/>
+              </a:rPr>
+              <a:t>・コーディング開始時点で、機能間・クラス間</a:t>
+            </a:r>
+            <a:r>
+              <a:rPr lang="ja-JP" altLang="en-US" sz="3200" dirty="0">
+                <a:latin typeface="+mn-ea"/>
+                <a:cs typeface="メイリオ" panose="020B0604030504040204" pitchFamily="50" charset="-128"/>
+              </a:rPr>
+              <a:t>の決め事（パラメータの内容、戻り値のデータ型など）が明確になって</a:t>
+            </a:r>
+            <a:r>
+              <a:rPr lang="ja-JP" altLang="en-US" sz="3200" dirty="0" smtClean="0">
+                <a:latin typeface="+mn-ea"/>
+                <a:cs typeface="メイリオ" panose="020B0604030504040204" pitchFamily="50" charset="-128"/>
+              </a:rPr>
+              <a:t>いない</a:t>
+            </a:r>
+            <a:endParaRPr lang="en-US" altLang="ja-JP" sz="3200" dirty="0">
+              <a:latin typeface="+mn-ea"/>
+              <a:cs typeface="メイリオ" panose="020B0604030504040204" pitchFamily="50" charset="-128"/>
+            </a:endParaRPr>
+          </a:p>
+          <a:p>
+            <a:pPr marL="109537" indent="0" eaLnBrk="1" hangingPunct="1">
+              <a:buNone/>
+            </a:pPr>
+            <a:r>
+              <a:rPr lang="ja-JP" altLang="en-US" sz="3200" dirty="0" smtClean="0">
+                <a:latin typeface="+mn-ea"/>
+                <a:cs typeface="メイリオ" panose="020B0604030504040204" pitchFamily="50" charset="-128"/>
+              </a:rPr>
+              <a:t>　・コーディングに必要な情報が設計資料に揃っていない</a:t>
+            </a:r>
+            <a:r>
+              <a:rPr lang="ja-JP" altLang="en-US" sz="3200" dirty="0">
+                <a:latin typeface="+mn-ea"/>
+                <a:cs typeface="メイリオ" panose="020B0604030504040204" pitchFamily="50" charset="-128"/>
+              </a:rPr>
+              <a:t>（困ったとき</a:t>
+            </a:r>
+            <a:r>
+              <a:rPr lang="ja-JP" altLang="en-US" sz="3200" dirty="0" smtClean="0">
+                <a:latin typeface="+mn-ea"/>
+                <a:cs typeface="メイリオ" panose="020B0604030504040204" pitchFamily="50" charset="-128"/>
+              </a:rPr>
+              <a:t>に頼れる資料</a:t>
+            </a:r>
+            <a:r>
+              <a:rPr lang="ja-JP" altLang="en-US" sz="3200" dirty="0">
+                <a:latin typeface="+mn-ea"/>
+                <a:cs typeface="メイリオ" panose="020B0604030504040204" pitchFamily="50" charset="-128"/>
+              </a:rPr>
+              <a:t>がない）</a:t>
             </a:r>
             <a:endParaRPr lang="en-US" altLang="ja-JP" sz="3200" dirty="0" smtClean="0">
               <a:latin typeface="+mn-ea"/>
@@ -6297,104 +5803,22 @@
             </a:endParaRPr>
           </a:p>
           <a:p>
-            <a:pPr eaLnBrk="1" hangingPunct="1">
-              <a:buFont typeface="Wingdings 3" panose="05040102010807070707" pitchFamily="18" charset="2"/>
+            <a:pPr marL="109537" indent="0" eaLnBrk="1" hangingPunct="1">
               <a:buNone/>
             </a:pPr>
+            <a:r>
+              <a:rPr lang="ja-JP" altLang="en-US" sz="3200" dirty="0">
+                <a:latin typeface="+mn-ea"/>
+                <a:cs typeface="メイリオ" panose="020B0604030504040204" pitchFamily="50" charset="-128"/>
+              </a:rPr>
+              <a:t>　</a:t>
+            </a:r>
             <a:r>
               <a:rPr lang="ja-JP" altLang="en-US" sz="3200" dirty="0" smtClean="0">
                 <a:latin typeface="+mn-ea"/>
                 <a:cs typeface="メイリオ" panose="020B0604030504040204" pitchFamily="50" charset="-128"/>
               </a:rPr>
-              <a:t>　</a:t>
-            </a:r>
-            <a:r>
-              <a:rPr lang="ja-JP" altLang="en-US" sz="3200" dirty="0" smtClean="0">
-                <a:latin typeface="+mn-ea"/>
-                <a:cs typeface="メイリオ" panose="020B0604030504040204" pitchFamily="50" charset="-128"/>
-              </a:rPr>
-              <a:t>・ああ</a:t>
-            </a:r>
-            <a:r>
-              <a:rPr lang="en-US" altLang="ja-JP" sz="3200" dirty="0" smtClean="0">
-                <a:latin typeface="+mn-ea"/>
-                <a:cs typeface="メイリオ" panose="020B0604030504040204" pitchFamily="50" charset="-128"/>
-              </a:rPr>
-              <a:t/>
-            </a:r>
-            <a:br>
-              <a:rPr lang="en-US" altLang="ja-JP" sz="3200" dirty="0" smtClean="0">
-                <a:latin typeface="+mn-ea"/>
-                <a:cs typeface="メイリオ" panose="020B0604030504040204" pitchFamily="50" charset="-128"/>
-              </a:rPr>
-            </a:br>
-            <a:r>
-              <a:rPr lang="ja-JP" altLang="en-US" sz="3200" dirty="0" smtClean="0">
-                <a:latin typeface="+mn-ea"/>
-                <a:cs typeface="メイリオ" panose="020B0604030504040204" pitchFamily="50" charset="-128"/>
-              </a:rPr>
-              <a:t>・発表時間厳守！！</a:t>
-            </a:r>
-            <a:endParaRPr lang="en-US" altLang="ja-JP" sz="3200" dirty="0" smtClean="0">
-              <a:latin typeface="+mn-ea"/>
-              <a:cs typeface="メイリオ" panose="020B0604030504040204" pitchFamily="50" charset="-128"/>
-            </a:endParaRPr>
-          </a:p>
-          <a:p>
-            <a:pPr eaLnBrk="1" hangingPunct="1">
-              <a:buFont typeface="Wingdings 3" panose="05040102010807070707" pitchFamily="18" charset="2"/>
-              <a:buNone/>
-            </a:pPr>
-            <a:r>
-              <a:rPr lang="ja-JP" altLang="en-US" sz="3200" dirty="0" smtClean="0">
-                <a:latin typeface="+mn-ea"/>
-                <a:cs typeface="メイリオ" panose="020B0604030504040204" pitchFamily="50" charset="-128"/>
-              </a:rPr>
-              <a:t>　　　・スライドの枚数指定はなし！</a:t>
-            </a:r>
-            <a:endParaRPr lang="en-US" altLang="ja-JP" sz="3200" dirty="0" smtClean="0">
-              <a:latin typeface="+mn-ea"/>
-              <a:cs typeface="メイリオ" panose="020B0604030504040204" pitchFamily="50" charset="-128"/>
-            </a:endParaRPr>
-          </a:p>
-          <a:p>
-            <a:pPr eaLnBrk="1" hangingPunct="1">
-              <a:buFont typeface="Wingdings 3" panose="05040102010807070707" pitchFamily="18" charset="2"/>
-              <a:buNone/>
-            </a:pPr>
-            <a:r>
-              <a:rPr lang="ja-JP" altLang="en-US" sz="3200" dirty="0" smtClean="0">
-                <a:latin typeface="+mn-ea"/>
-                <a:cs typeface="メイリオ" panose="020B0604030504040204" pitchFamily="50" charset="-128"/>
-              </a:rPr>
-              <a:t>　・字は大きめに！</a:t>
-            </a:r>
-            <a:r>
-              <a:rPr lang="en-US" altLang="ja-JP" sz="3200" dirty="0" smtClean="0">
-                <a:latin typeface="+mn-ea"/>
-                <a:cs typeface="メイリオ" panose="020B0604030504040204" pitchFamily="50" charset="-128"/>
-              </a:rPr>
-              <a:t/>
-            </a:r>
-            <a:br>
-              <a:rPr lang="en-US" altLang="ja-JP" sz="3200" dirty="0" smtClean="0">
-                <a:latin typeface="+mn-ea"/>
-                <a:cs typeface="メイリオ" panose="020B0604030504040204" pitchFamily="50" charset="-128"/>
-              </a:rPr>
-            </a:br>
-            <a:endParaRPr lang="en-US" altLang="ja-JP" sz="800" dirty="0" smtClean="0">
-              <a:latin typeface="+mn-ea"/>
-              <a:cs typeface="メイリオ" panose="020B0604030504040204" pitchFamily="50" charset="-128"/>
-            </a:endParaRPr>
-          </a:p>
-          <a:p>
-            <a:pPr eaLnBrk="1" hangingPunct="1"/>
-            <a:r>
-              <a:rPr lang="ja-JP" altLang="en-US" sz="3200" dirty="0" smtClean="0">
-                <a:latin typeface="+mn-ea"/>
-                <a:cs typeface="メイリオ" panose="020B0604030504040204" pitchFamily="50" charset="-128"/>
-              </a:rPr>
-              <a:t>発表項目</a:t>
+              <a:t>・設計が煮詰め切れないまま資料を作成</a:t>
             </a:r>
             <a:endParaRPr lang="en-US" altLang="ja-JP" sz="3200" dirty="0" smtClean="0">
               <a:latin typeface="+mn-ea"/>
@@ -6430,12 +5854,12 @@
               <a:defRPr/>
             </a:pPr>
             <a:r>
-              <a:rPr lang="ja-JP" altLang="en-US" dirty="0" smtClean="0">
+              <a:rPr lang="ja-JP" altLang="en-US" dirty="0">
                 <a:solidFill>
                   <a:srgbClr val="FF0000"/>
                 </a:solidFill>
               </a:rPr>
-              <a:t>成果発表会　資料作成概要</a:t>
+              <a:t>成果発表（向山）</a:t>
             </a:r>
             <a:endParaRPr lang="ja-JP" altLang="en-US" dirty="0">
               <a:solidFill>
@@ -6445,490 +5869,260 @@
           </a:p>
         </p:txBody>
       </p:sp>
-      <p:sp>
-        <p:nvSpPr>
-          <p:cNvPr id="3" name="正方形/長方形 2"/>
-          <p:cNvSpPr/>
-          <p:nvPr/>
-        </p:nvSpPr>
-        <p:spPr>
-          <a:xfrm>
-            <a:off x="3816424" y="4437112"/>
-            <a:ext cx="4572000" cy="1570038"/>
-          </a:xfrm>
-          <a:prstGeom prst="rect">
-            <a:avLst/>
-          </a:prstGeom>
-        </p:spPr>
-        <p:txBody>
-          <a:bodyPr>
-            <a:spAutoFit/>
-          </a:bodyPr>
-          <a:lstStyle>
-            <a:lvl1pPr marL="342900" indent="-342900">
-              <a:spcBef>
-                <a:spcPts val="400"/>
-              </a:spcBef>
-              <a:buClr>
-                <a:schemeClr val="accent1"/>
-              </a:buClr>
-              <a:buSzPct val="68000"/>
-              <a:buFont typeface="Wingdings 3" panose="05040102010807070707" pitchFamily="18" charset="2"/>
-              <a:buChar char=""/>
-              <a:defRPr kumimoji="1" sz="2700">
-                <a:solidFill>
-                  <a:schemeClr val="tx1"/>
-                </a:solidFill>
-                <a:latin typeface="Lucida Sans Unicode" panose="020B0602030504020204" pitchFamily="34" charset="0"/>
-                <a:ea typeface="ＭＳ Ｐゴシック" panose="020B0600070205080204" pitchFamily="50" charset="-128"/>
-              </a:defRPr>
-            </a:lvl1pPr>
-            <a:lvl2pPr>
-              <a:spcBef>
-                <a:spcPts val="325"/>
-              </a:spcBef>
-              <a:buClr>
-                <a:schemeClr val="accent1"/>
-              </a:buClr>
-              <a:buFont typeface="Verdana" panose="020B0604030504040204" pitchFamily="34" charset="0"/>
-              <a:buChar char="◦"/>
-              <a:defRPr kumimoji="1" sz="2300">
-                <a:solidFill>
-                  <a:schemeClr val="tx1"/>
-                </a:solidFill>
-                <a:latin typeface="Lucida Sans Unicode" panose="020B0602030504020204" pitchFamily="34" charset="0"/>
-                <a:ea typeface="ＭＳ Ｐゴシック" panose="020B0600070205080204" pitchFamily="50" charset="-128"/>
-              </a:defRPr>
-            </a:lvl2pPr>
-            <a:lvl3pPr marL="1143000" indent="-228600">
-              <a:spcBef>
-                <a:spcPts val="350"/>
-              </a:spcBef>
-              <a:buClr>
-                <a:schemeClr val="accent2"/>
-              </a:buClr>
-              <a:buSzPct val="100000"/>
-              <a:buFont typeface="Wingdings 2" panose="05020102010507070707" pitchFamily="18" charset="2"/>
-              <a:buChar char=""/>
-              <a:defRPr kumimoji="1" sz="2100">
-                <a:solidFill>
-                  <a:schemeClr val="tx1"/>
-                </a:solidFill>
-                <a:latin typeface="Lucida Sans Unicode" panose="020B0602030504020204" pitchFamily="34" charset="0"/>
-                <a:ea typeface="ＭＳ Ｐゴシック" panose="020B0600070205080204" pitchFamily="50" charset="-128"/>
-              </a:defRPr>
-            </a:lvl3pPr>
-            <a:lvl4pPr marL="1600200" indent="-228600">
-              <a:spcBef>
-                <a:spcPts val="350"/>
-              </a:spcBef>
-              <a:buClr>
-                <a:schemeClr val="accent2"/>
-              </a:buClr>
-              <a:buFont typeface="Wingdings 2" panose="05020102010507070707" pitchFamily="18" charset="2"/>
-              <a:buChar char=""/>
-              <a:defRPr kumimoji="1" sz="1900">
-                <a:solidFill>
-                  <a:schemeClr val="tx1"/>
-                </a:solidFill>
-                <a:latin typeface="Lucida Sans Unicode" panose="020B0602030504020204" pitchFamily="34" charset="0"/>
-                <a:ea typeface="ＭＳ Ｐゴシック" panose="020B0600070205080204" pitchFamily="50" charset="-128"/>
-              </a:defRPr>
-            </a:lvl4pPr>
-            <a:lvl5pPr marL="2057400" indent="-228600">
-              <a:spcBef>
-                <a:spcPts val="350"/>
-              </a:spcBef>
-              <a:buClr>
-                <a:schemeClr val="accent2"/>
-              </a:buClr>
-              <a:buFont typeface="Wingdings 2" panose="05020102010507070707" pitchFamily="18" charset="2"/>
-              <a:buChar char=""/>
-              <a:defRPr kumimoji="1">
-                <a:solidFill>
-                  <a:schemeClr val="tx1"/>
-                </a:solidFill>
-                <a:latin typeface="Lucida Sans Unicode" panose="020B0602030504020204" pitchFamily="34" charset="0"/>
-                <a:ea typeface="ＭＳ Ｐゴシック" panose="020B0600070205080204" pitchFamily="50" charset="-128"/>
-              </a:defRPr>
-            </a:lvl5pPr>
-            <a:lvl6pPr marL="2514600" indent="-228600" eaLnBrk="0" fontAlgn="base" hangingPunct="0">
-              <a:spcBef>
-                <a:spcPts val="350"/>
-              </a:spcBef>
-              <a:spcAft>
-                <a:spcPct val="0"/>
-              </a:spcAft>
-              <a:buClr>
-                <a:schemeClr val="accent2"/>
-              </a:buClr>
-              <a:buFont typeface="Wingdings 2" panose="05020102010507070707" pitchFamily="18" charset="2"/>
-              <a:buChar char=""/>
-              <a:defRPr kumimoji="1">
-                <a:solidFill>
-                  <a:schemeClr val="tx1"/>
-                </a:solidFill>
-                <a:latin typeface="Lucida Sans Unicode" panose="020B0602030504020204" pitchFamily="34" charset="0"/>
-                <a:ea typeface="ＭＳ Ｐゴシック" panose="020B0600070205080204" pitchFamily="50" charset="-128"/>
-              </a:defRPr>
-            </a:lvl6pPr>
-            <a:lvl7pPr marL="2971800" indent="-228600" eaLnBrk="0" fontAlgn="base" hangingPunct="0">
-              <a:spcBef>
-                <a:spcPts val="350"/>
-              </a:spcBef>
-              <a:spcAft>
-                <a:spcPct val="0"/>
-              </a:spcAft>
-              <a:buClr>
-                <a:schemeClr val="accent2"/>
-              </a:buClr>
-              <a:buFont typeface="Wingdings 2" panose="05020102010507070707" pitchFamily="18" charset="2"/>
-              <a:buChar char=""/>
-              <a:defRPr kumimoji="1">
-                <a:solidFill>
-                  <a:schemeClr val="tx1"/>
-                </a:solidFill>
-                <a:latin typeface="Lucida Sans Unicode" panose="020B0602030504020204" pitchFamily="34" charset="0"/>
-                <a:ea typeface="ＭＳ Ｐゴシック" panose="020B0600070205080204" pitchFamily="50" charset="-128"/>
-              </a:defRPr>
-            </a:lvl7pPr>
-            <a:lvl8pPr marL="3429000" indent="-228600" eaLnBrk="0" fontAlgn="base" hangingPunct="0">
-              <a:spcBef>
-                <a:spcPts val="350"/>
-              </a:spcBef>
-              <a:spcAft>
-                <a:spcPct val="0"/>
-              </a:spcAft>
-              <a:buClr>
-                <a:schemeClr val="accent2"/>
-              </a:buClr>
-              <a:buFont typeface="Wingdings 2" panose="05020102010507070707" pitchFamily="18" charset="2"/>
-              <a:buChar char=""/>
-              <a:defRPr kumimoji="1">
-                <a:solidFill>
-                  <a:schemeClr val="tx1"/>
-                </a:solidFill>
-                <a:latin typeface="Lucida Sans Unicode" panose="020B0602030504020204" pitchFamily="34" charset="0"/>
-                <a:ea typeface="ＭＳ Ｐゴシック" panose="020B0600070205080204" pitchFamily="50" charset="-128"/>
-              </a:defRPr>
-            </a:lvl8pPr>
-            <a:lvl9pPr marL="3886200" indent="-228600" eaLnBrk="0" fontAlgn="base" hangingPunct="0">
-              <a:spcBef>
-                <a:spcPts val="350"/>
-              </a:spcBef>
-              <a:spcAft>
-                <a:spcPct val="0"/>
-              </a:spcAft>
-              <a:buClr>
-                <a:schemeClr val="accent2"/>
-              </a:buClr>
-              <a:buFont typeface="Wingdings 2" panose="05020102010507070707" pitchFamily="18" charset="2"/>
-              <a:buChar char=""/>
-              <a:defRPr kumimoji="1">
-                <a:solidFill>
-                  <a:schemeClr val="tx1"/>
-                </a:solidFill>
-                <a:latin typeface="Lucida Sans Unicode" panose="020B0602030504020204" pitchFamily="34" charset="0"/>
-                <a:ea typeface="ＭＳ Ｐゴシック" panose="020B0600070205080204" pitchFamily="50" charset="-128"/>
-              </a:defRPr>
-            </a:lvl9pPr>
-          </a:lstStyle>
-          <a:p>
-            <a:pPr lvl="1" eaLnBrk="1" hangingPunct="1">
-              <a:spcBef>
-                <a:spcPct val="0"/>
-              </a:spcBef>
-              <a:buClrTx/>
-              <a:buFontTx/>
-              <a:buNone/>
-            </a:pPr>
-            <a:r>
-              <a:rPr lang="ja-JP" altLang="en-US" sz="3200" dirty="0">
-                <a:latin typeface="+mn-ea"/>
-                <a:ea typeface="+mn-ea"/>
-                <a:cs typeface="メイリオ" panose="020B0604030504040204" pitchFamily="50" charset="-128"/>
-              </a:rPr>
-              <a:t>・身についた点</a:t>
-            </a:r>
-          </a:p>
-          <a:p>
-            <a:pPr lvl="1" eaLnBrk="1" hangingPunct="1">
-              <a:spcBef>
-                <a:spcPct val="0"/>
-              </a:spcBef>
-              <a:buClrTx/>
-              <a:buFontTx/>
-              <a:buNone/>
-            </a:pPr>
-            <a:r>
-              <a:rPr lang="ja-JP" altLang="en-US" sz="3200" dirty="0">
-                <a:latin typeface="+mn-ea"/>
-                <a:ea typeface="+mn-ea"/>
-                <a:cs typeface="メイリオ" panose="020B0604030504040204" pitchFamily="50" charset="-128"/>
-              </a:rPr>
-              <a:t>・良かった点</a:t>
-            </a:r>
-          </a:p>
-          <a:p>
-            <a:pPr lvl="1" eaLnBrk="1" hangingPunct="1">
-              <a:spcBef>
-                <a:spcPct val="0"/>
-              </a:spcBef>
-              <a:buClrTx/>
-              <a:buFontTx/>
-              <a:buNone/>
-            </a:pPr>
-            <a:r>
-              <a:rPr lang="ja-JP" altLang="en-US" sz="3200" dirty="0">
-                <a:latin typeface="+mn-ea"/>
-                <a:ea typeface="+mn-ea"/>
-                <a:cs typeface="メイリオ" panose="020B0604030504040204" pitchFamily="50" charset="-128"/>
-              </a:rPr>
-              <a:t>・これからの意気込み</a:t>
-            </a:r>
-          </a:p>
-        </p:txBody>
-      </p:sp>
-      <p:sp>
-        <p:nvSpPr>
-          <p:cNvPr id="5" name="正方形/長方形 4"/>
-          <p:cNvSpPr/>
-          <p:nvPr/>
-        </p:nvSpPr>
-        <p:spPr>
-          <a:xfrm>
-            <a:off x="323528" y="4437112"/>
-            <a:ext cx="4572000" cy="1077912"/>
-          </a:xfrm>
-          <a:prstGeom prst="rect">
-            <a:avLst/>
-          </a:prstGeom>
-        </p:spPr>
-        <p:txBody>
-          <a:bodyPr>
-            <a:spAutoFit/>
-          </a:bodyPr>
-          <a:lstStyle>
-            <a:lvl1pPr marL="342900" indent="-342900">
-              <a:spcBef>
-                <a:spcPts val="400"/>
-              </a:spcBef>
-              <a:buClr>
-                <a:schemeClr val="accent1"/>
-              </a:buClr>
-              <a:buSzPct val="68000"/>
-              <a:buFont typeface="Wingdings 3" panose="05040102010807070707" pitchFamily="18" charset="2"/>
-              <a:buChar char=""/>
-              <a:defRPr kumimoji="1" sz="2700">
-                <a:solidFill>
-                  <a:schemeClr val="tx1"/>
-                </a:solidFill>
-                <a:latin typeface="Lucida Sans Unicode" panose="020B0602030504020204" pitchFamily="34" charset="0"/>
-                <a:ea typeface="ＭＳ Ｐゴシック" panose="020B0600070205080204" pitchFamily="50" charset="-128"/>
-              </a:defRPr>
-            </a:lvl1pPr>
-            <a:lvl2pPr>
-              <a:spcBef>
-                <a:spcPts val="325"/>
-              </a:spcBef>
-              <a:buClr>
-                <a:schemeClr val="accent1"/>
-              </a:buClr>
-              <a:buFont typeface="Verdana" panose="020B0604030504040204" pitchFamily="34" charset="0"/>
-              <a:buChar char="◦"/>
-              <a:defRPr kumimoji="1" sz="2300">
-                <a:solidFill>
-                  <a:schemeClr val="tx1"/>
-                </a:solidFill>
-                <a:latin typeface="Lucida Sans Unicode" panose="020B0602030504020204" pitchFamily="34" charset="0"/>
-                <a:ea typeface="ＭＳ Ｐゴシック" panose="020B0600070205080204" pitchFamily="50" charset="-128"/>
-              </a:defRPr>
-            </a:lvl2pPr>
-            <a:lvl3pPr marL="1143000" indent="-228600">
-              <a:spcBef>
-                <a:spcPts val="350"/>
-              </a:spcBef>
-              <a:buClr>
-                <a:schemeClr val="accent2"/>
-              </a:buClr>
-              <a:buSzPct val="100000"/>
-              <a:buFont typeface="Wingdings 2" panose="05020102010507070707" pitchFamily="18" charset="2"/>
-              <a:buChar char=""/>
-              <a:defRPr kumimoji="1" sz="2100">
-                <a:solidFill>
-                  <a:schemeClr val="tx1"/>
-                </a:solidFill>
-                <a:latin typeface="Lucida Sans Unicode" panose="020B0602030504020204" pitchFamily="34" charset="0"/>
-                <a:ea typeface="ＭＳ Ｐゴシック" panose="020B0600070205080204" pitchFamily="50" charset="-128"/>
-              </a:defRPr>
-            </a:lvl3pPr>
-            <a:lvl4pPr marL="1600200" indent="-228600">
-              <a:spcBef>
-                <a:spcPts val="350"/>
-              </a:spcBef>
-              <a:buClr>
-                <a:schemeClr val="accent2"/>
-              </a:buClr>
-              <a:buFont typeface="Wingdings 2" panose="05020102010507070707" pitchFamily="18" charset="2"/>
-              <a:buChar char=""/>
-              <a:defRPr kumimoji="1" sz="1900">
-                <a:solidFill>
-                  <a:schemeClr val="tx1"/>
-                </a:solidFill>
-                <a:latin typeface="Lucida Sans Unicode" panose="020B0602030504020204" pitchFamily="34" charset="0"/>
-                <a:ea typeface="ＭＳ Ｐゴシック" panose="020B0600070205080204" pitchFamily="50" charset="-128"/>
-              </a:defRPr>
-            </a:lvl4pPr>
-            <a:lvl5pPr marL="2057400" indent="-228600">
-              <a:spcBef>
-                <a:spcPts val="350"/>
-              </a:spcBef>
-              <a:buClr>
-                <a:schemeClr val="accent2"/>
-              </a:buClr>
-              <a:buFont typeface="Wingdings 2" panose="05020102010507070707" pitchFamily="18" charset="2"/>
-              <a:buChar char=""/>
-              <a:defRPr kumimoji="1">
-                <a:solidFill>
-                  <a:schemeClr val="tx1"/>
-                </a:solidFill>
-                <a:latin typeface="Lucida Sans Unicode" panose="020B0602030504020204" pitchFamily="34" charset="0"/>
-                <a:ea typeface="ＭＳ Ｐゴシック" panose="020B0600070205080204" pitchFamily="50" charset="-128"/>
-              </a:defRPr>
-            </a:lvl5pPr>
-            <a:lvl6pPr marL="2514600" indent="-228600" eaLnBrk="0" fontAlgn="base" hangingPunct="0">
-              <a:spcBef>
-                <a:spcPts val="350"/>
-              </a:spcBef>
-              <a:spcAft>
-                <a:spcPct val="0"/>
-              </a:spcAft>
-              <a:buClr>
-                <a:schemeClr val="accent2"/>
-              </a:buClr>
-              <a:buFont typeface="Wingdings 2" panose="05020102010507070707" pitchFamily="18" charset="2"/>
-              <a:buChar char=""/>
-              <a:defRPr kumimoji="1">
-                <a:solidFill>
-                  <a:schemeClr val="tx1"/>
-                </a:solidFill>
-                <a:latin typeface="Lucida Sans Unicode" panose="020B0602030504020204" pitchFamily="34" charset="0"/>
-                <a:ea typeface="ＭＳ Ｐゴシック" panose="020B0600070205080204" pitchFamily="50" charset="-128"/>
-              </a:defRPr>
-            </a:lvl6pPr>
-            <a:lvl7pPr marL="2971800" indent="-228600" eaLnBrk="0" fontAlgn="base" hangingPunct="0">
-              <a:spcBef>
-                <a:spcPts val="350"/>
-              </a:spcBef>
-              <a:spcAft>
-                <a:spcPct val="0"/>
-              </a:spcAft>
-              <a:buClr>
-                <a:schemeClr val="accent2"/>
-              </a:buClr>
-              <a:buFont typeface="Wingdings 2" panose="05020102010507070707" pitchFamily="18" charset="2"/>
-              <a:buChar char=""/>
-              <a:defRPr kumimoji="1">
-                <a:solidFill>
-                  <a:schemeClr val="tx1"/>
-                </a:solidFill>
-                <a:latin typeface="Lucida Sans Unicode" panose="020B0602030504020204" pitchFamily="34" charset="0"/>
-                <a:ea typeface="ＭＳ Ｐゴシック" panose="020B0600070205080204" pitchFamily="50" charset="-128"/>
-              </a:defRPr>
-            </a:lvl7pPr>
-            <a:lvl8pPr marL="3429000" indent="-228600" eaLnBrk="0" fontAlgn="base" hangingPunct="0">
-              <a:spcBef>
-                <a:spcPts val="350"/>
-              </a:spcBef>
-              <a:spcAft>
-                <a:spcPct val="0"/>
-              </a:spcAft>
-              <a:buClr>
-                <a:schemeClr val="accent2"/>
-              </a:buClr>
-              <a:buFont typeface="Wingdings 2" panose="05020102010507070707" pitchFamily="18" charset="2"/>
-              <a:buChar char=""/>
-              <a:defRPr kumimoji="1">
-                <a:solidFill>
-                  <a:schemeClr val="tx1"/>
-                </a:solidFill>
-                <a:latin typeface="Lucida Sans Unicode" panose="020B0602030504020204" pitchFamily="34" charset="0"/>
-                <a:ea typeface="ＭＳ Ｐゴシック" panose="020B0600070205080204" pitchFamily="50" charset="-128"/>
-              </a:defRPr>
-            </a:lvl8pPr>
-            <a:lvl9pPr marL="3886200" indent="-228600" eaLnBrk="0" fontAlgn="base" hangingPunct="0">
-              <a:spcBef>
-                <a:spcPts val="350"/>
-              </a:spcBef>
-              <a:spcAft>
-                <a:spcPct val="0"/>
-              </a:spcAft>
-              <a:buClr>
-                <a:schemeClr val="accent2"/>
-              </a:buClr>
-              <a:buFont typeface="Wingdings 2" panose="05020102010507070707" pitchFamily="18" charset="2"/>
-              <a:buChar char=""/>
-              <a:defRPr kumimoji="1">
-                <a:solidFill>
-                  <a:schemeClr val="tx1"/>
-                </a:solidFill>
-                <a:latin typeface="Lucida Sans Unicode" panose="020B0602030504020204" pitchFamily="34" charset="0"/>
-                <a:ea typeface="ＭＳ Ｐゴシック" panose="020B0600070205080204" pitchFamily="50" charset="-128"/>
-              </a:defRPr>
-            </a:lvl9pPr>
-          </a:lstStyle>
-          <a:p>
-            <a:pPr lvl="1" eaLnBrk="1" hangingPunct="1">
-              <a:spcBef>
-                <a:spcPct val="0"/>
-              </a:spcBef>
-              <a:buClrTx/>
-              <a:buFontTx/>
-              <a:buNone/>
-            </a:pPr>
-            <a:r>
-              <a:rPr lang="ja-JP" altLang="en-US" sz="3200" dirty="0">
-                <a:latin typeface="+mn-ea"/>
-                <a:ea typeface="+mn-ea"/>
-                <a:cs typeface="メイリオ" panose="020B0604030504040204" pitchFamily="50" charset="-128"/>
-              </a:rPr>
-              <a:t>・苦労した点</a:t>
-            </a:r>
-            <a:endParaRPr lang="en-US" altLang="ja-JP" sz="3200" dirty="0">
-              <a:latin typeface="+mn-ea"/>
-              <a:ea typeface="+mn-ea"/>
-              <a:cs typeface="メイリオ" panose="020B0604030504040204" pitchFamily="50" charset="-128"/>
-            </a:endParaRPr>
-          </a:p>
-          <a:p>
-            <a:pPr lvl="1" eaLnBrk="1" hangingPunct="1">
-              <a:spcBef>
-                <a:spcPct val="0"/>
-              </a:spcBef>
-              <a:buClrTx/>
-              <a:buFontTx/>
-              <a:buNone/>
-            </a:pPr>
-            <a:r>
-              <a:rPr lang="ja-JP" altLang="en-US" sz="3200" dirty="0">
-                <a:latin typeface="+mn-ea"/>
-                <a:ea typeface="+mn-ea"/>
-                <a:cs typeface="メイリオ" panose="020B0604030504040204" pitchFamily="50" charset="-128"/>
-              </a:rPr>
-              <a:t>・どう改善したか</a:t>
-            </a:r>
-            <a:endParaRPr lang="en-US" altLang="ja-JP" sz="3200" dirty="0">
-              <a:latin typeface="+mn-ea"/>
-              <a:ea typeface="+mn-ea"/>
-              <a:cs typeface="メイリオ" panose="020B0604030504040204" pitchFamily="50" charset="-128"/>
-            </a:endParaRPr>
-          </a:p>
-        </p:txBody>
-      </p:sp>
     </p:spTree>
     <p:extLst>
       <p:ext uri="{BB962C8B-B14F-4D97-AF65-F5344CB8AC3E}">
-        <p14:creationId xmlns:p14="http://schemas.microsoft.com/office/powerpoint/2010/main" val="929236711"/>
+        <p14:creationId xmlns:p14="http://schemas.microsoft.com/office/powerpoint/2010/main" val="294287009"/>
+      </p:ext>
+    </p:extLst>
+  </p:cSld>
+  <p:clrMapOvr>
+    <a:masterClrMapping/>
+  </p:clrMapOvr>
+  <p:timing>
+    <p:tnLst>
+      <p:par>
+        <p:cTn id="1" dur="indefinite" restart="never" nodeType="tmRoot"/>
+      </p:par>
+    </p:tnLst>
+  </p:timing>
+</p:sld>
+</file>
+
+<file path=ppt/slides/slide3.xml><?xml version="1.0" encoding="utf-8"?>
+<p:sld xmlns:a="http://schemas.openxmlformats.org/drawingml/2006/main" xmlns:r="http://schemas.openxmlformats.org/officeDocument/2006/relationships" xmlns:p="http://schemas.openxmlformats.org/presentationml/2006/main">
+  <p:cSld>
+    <p:spTree>
+      <p:nvGrpSpPr>
+        <p:cNvPr id="1" name=""/>
+        <p:cNvGrpSpPr/>
+        <p:nvPr/>
+      </p:nvGrpSpPr>
+      <p:grpSpPr>
+        <a:xfrm>
+          <a:off x="0" y="0"/>
+          <a:ext cx="0" cy="0"/>
+          <a:chOff x="0" y="0"/>
+          <a:chExt cx="0" cy="0"/>
+        </a:xfrm>
+      </p:grpSpPr>
+      <p:sp>
+        <p:nvSpPr>
+          <p:cNvPr id="10242" name="コンテンツ プレースホルダー 2"/>
+          <p:cNvSpPr>
+            <a:spLocks noGrp="1"/>
+          </p:cNvSpPr>
+          <p:nvPr>
+            <p:ph idx="1"/>
+          </p:nvPr>
+        </p:nvSpPr>
+        <p:spPr>
+          <a:xfrm>
+            <a:off x="0" y="1125538"/>
+            <a:ext cx="9144000" cy="5399087"/>
+          </a:xfrm>
+        </p:spPr>
+        <p:txBody>
+          <a:bodyPr/>
+          <a:lstStyle/>
+          <a:p>
+            <a:pPr eaLnBrk="1" hangingPunct="1"/>
+            <a:r>
+              <a:rPr lang="ja-JP" altLang="en-US" sz="3200" dirty="0" smtClean="0">
+                <a:latin typeface="+mn-ea"/>
+                <a:cs typeface="メイリオ" panose="020B0604030504040204" pitchFamily="50" charset="-128"/>
+              </a:rPr>
+              <a:t>良かった点</a:t>
+            </a:r>
+            <a:endParaRPr lang="en-US" altLang="ja-JP" sz="3200" dirty="0" smtClean="0">
+              <a:latin typeface="+mn-ea"/>
+              <a:cs typeface="メイリオ" panose="020B0604030504040204" pitchFamily="50" charset="-128"/>
+            </a:endParaRPr>
+          </a:p>
+          <a:p>
+            <a:pPr marL="109537" indent="0" eaLnBrk="1" hangingPunct="1">
+              <a:buNone/>
+            </a:pPr>
+            <a:r>
+              <a:rPr lang="ja-JP" altLang="en-US" sz="3200" dirty="0">
+                <a:latin typeface="+mn-ea"/>
+                <a:cs typeface="メイリオ" panose="020B0604030504040204" pitchFamily="50" charset="-128"/>
+              </a:rPr>
+              <a:t>　・</a:t>
+            </a:r>
+            <a:r>
+              <a:rPr lang="ja-JP" altLang="en-US" sz="3200" dirty="0" smtClean="0">
+                <a:latin typeface="+mn-ea"/>
+                <a:cs typeface="メイリオ" panose="020B0604030504040204" pitchFamily="50" charset="-128"/>
+              </a:rPr>
+              <a:t>要件確認から</a:t>
+            </a:r>
+            <a:r>
+              <a:rPr lang="ja-JP" altLang="en-US" sz="3200" dirty="0">
+                <a:latin typeface="+mn-ea"/>
+                <a:cs typeface="メイリオ" panose="020B0604030504040204" pitchFamily="50" charset="-128"/>
+              </a:rPr>
+              <a:t>設計・</a:t>
+            </a:r>
+            <a:r>
+              <a:rPr lang="ja-JP" altLang="en-US" sz="3200" dirty="0" smtClean="0">
+                <a:latin typeface="+mn-ea"/>
+                <a:cs typeface="メイリオ" panose="020B0604030504040204" pitchFamily="50" charset="-128"/>
+              </a:rPr>
+              <a:t>開発の</a:t>
+            </a:r>
+            <a:r>
+              <a:rPr lang="ja-JP" altLang="en-US" sz="3200" dirty="0">
+                <a:latin typeface="+mn-ea"/>
+                <a:cs typeface="メイリオ" panose="020B0604030504040204" pitchFamily="50" charset="-128"/>
+              </a:rPr>
+              <a:t>流れを経験できた</a:t>
+            </a:r>
+            <a:endParaRPr lang="en-US" altLang="ja-JP" sz="3200" dirty="0">
+              <a:latin typeface="+mn-ea"/>
+              <a:cs typeface="メイリオ" panose="020B0604030504040204" pitchFamily="50" charset="-128"/>
+            </a:endParaRPr>
+          </a:p>
+          <a:p>
+            <a:pPr marL="109537" indent="0" eaLnBrk="1" hangingPunct="1">
+              <a:buNone/>
+            </a:pPr>
+            <a:r>
+              <a:rPr lang="ja-JP" altLang="en-US" sz="3200" dirty="0">
+                <a:latin typeface="+mn-ea"/>
+                <a:cs typeface="メイリオ" panose="020B0604030504040204" pitchFamily="50" charset="-128"/>
+              </a:rPr>
+              <a:t>　・設計の重要性を身を持って体験できた</a:t>
+            </a:r>
+            <a:endParaRPr lang="en-US" altLang="ja-JP" sz="3200" dirty="0">
+              <a:latin typeface="+mn-ea"/>
+              <a:cs typeface="メイリオ" panose="020B0604030504040204" pitchFamily="50" charset="-128"/>
+            </a:endParaRPr>
+          </a:p>
+          <a:p>
+            <a:pPr marL="109537" indent="0" eaLnBrk="1" hangingPunct="1">
+              <a:buNone/>
+            </a:pPr>
+            <a:r>
+              <a:rPr lang="ja-JP" altLang="en-US" sz="3200" dirty="0">
+                <a:latin typeface="+mn-ea"/>
+                <a:cs typeface="メイリオ" panose="020B0604030504040204" pitchFamily="50" charset="-128"/>
+              </a:rPr>
+              <a:t>　</a:t>
+            </a:r>
+            <a:r>
+              <a:rPr lang="ja-JP" altLang="en-US" sz="3200" dirty="0" smtClean="0">
+                <a:latin typeface="+mn-ea"/>
+                <a:cs typeface="メイリオ" panose="020B0604030504040204" pitchFamily="50" charset="-128"/>
+              </a:rPr>
+              <a:t>・開発現場から長く離れていてブランク</a:t>
+            </a:r>
+            <a:r>
+              <a:rPr lang="ja-JP" altLang="en-US" sz="3200" dirty="0">
+                <a:latin typeface="+mn-ea"/>
+                <a:cs typeface="メイリオ" panose="020B0604030504040204" pitchFamily="50" charset="-128"/>
+              </a:rPr>
+              <a:t>があり、良いリハビリに</a:t>
+            </a:r>
+            <a:r>
+              <a:rPr lang="ja-JP" altLang="en-US" sz="3200" dirty="0" smtClean="0">
+                <a:latin typeface="+mn-ea"/>
+                <a:cs typeface="メイリオ" panose="020B0604030504040204" pitchFamily="50" charset="-128"/>
+              </a:rPr>
+              <a:t>なった</a:t>
+            </a:r>
+            <a:endParaRPr lang="en-US" altLang="ja-JP" sz="3200" dirty="0" smtClean="0">
+              <a:latin typeface="+mn-ea"/>
+              <a:cs typeface="メイリオ" panose="020B0604030504040204" pitchFamily="50" charset="-128"/>
+            </a:endParaRPr>
+          </a:p>
+          <a:p>
+            <a:pPr marL="109537" indent="0" eaLnBrk="1" hangingPunct="1">
+              <a:buNone/>
+            </a:pPr>
+            <a:endParaRPr lang="en-US" altLang="ja-JP" sz="3200" dirty="0" smtClean="0">
+              <a:latin typeface="+mn-ea"/>
+              <a:cs typeface="メイリオ" panose="020B0604030504040204" pitchFamily="50" charset="-128"/>
+            </a:endParaRPr>
+          </a:p>
+          <a:p>
+            <a:pPr eaLnBrk="1" hangingPunct="1"/>
+            <a:r>
+              <a:rPr lang="ja-JP" altLang="en-US" sz="3200" dirty="0" smtClean="0">
+                <a:latin typeface="+mn-ea"/>
+                <a:cs typeface="メイリオ" panose="020B0604030504040204" pitchFamily="50" charset="-128"/>
+              </a:rPr>
+              <a:t>これから</a:t>
+            </a:r>
+            <a:endParaRPr lang="en-US" altLang="ja-JP" sz="3200" dirty="0" smtClean="0">
+              <a:latin typeface="+mn-ea"/>
+              <a:cs typeface="メイリオ" panose="020B0604030504040204" pitchFamily="50" charset="-128"/>
+            </a:endParaRPr>
+          </a:p>
+          <a:p>
+            <a:pPr marL="109537" indent="0" eaLnBrk="1" hangingPunct="1">
+              <a:buNone/>
+            </a:pPr>
+            <a:r>
+              <a:rPr lang="ja-JP" altLang="en-US" sz="3200" dirty="0" smtClean="0">
+                <a:latin typeface="+mn-ea"/>
+                <a:cs typeface="メイリオ" panose="020B0604030504040204" pitchFamily="50" charset="-128"/>
+              </a:rPr>
+              <a:t>　・今回苦労した「原因」の繰り返さない</a:t>
+            </a:r>
+            <a:endParaRPr lang="en-US" altLang="ja-JP" sz="3200" dirty="0">
+              <a:latin typeface="+mn-ea"/>
+              <a:cs typeface="メイリオ" panose="020B0604030504040204" pitchFamily="50" charset="-128"/>
+            </a:endParaRPr>
+          </a:p>
+        </p:txBody>
+      </p:sp>
+      <p:sp>
+        <p:nvSpPr>
+          <p:cNvPr id="2" name="タイトル 1"/>
+          <p:cNvSpPr>
+            <a:spLocks noGrp="1"/>
+          </p:cNvSpPr>
+          <p:nvPr>
+            <p:ph type="title"/>
+          </p:nvPr>
+        </p:nvSpPr>
+        <p:spPr>
+          <a:xfrm>
+            <a:off x="457200" y="44624"/>
+            <a:ext cx="8229600" cy="1143000"/>
+          </a:xfrm>
+        </p:spPr>
+        <p:txBody>
+          <a:bodyPr/>
+          <a:lstStyle/>
+          <a:p>
+            <a:pPr eaLnBrk="1" fontAlgn="auto" hangingPunct="1">
+              <a:spcAft>
+                <a:spcPts val="0"/>
+              </a:spcAft>
+              <a:defRPr/>
+            </a:pPr>
+            <a:r>
+              <a:rPr lang="ja-JP" altLang="en-US" dirty="0">
+                <a:solidFill>
+                  <a:srgbClr val="FF0000"/>
+                </a:solidFill>
+              </a:rPr>
+              <a:t>成果発表（向山）</a:t>
+            </a:r>
+            <a:endParaRPr lang="ja-JP" altLang="en-US" dirty="0">
+              <a:solidFill>
+                <a:srgbClr val="FF0000"/>
+              </a:solidFill>
+            </a:endParaRPr>
+          </a:p>
+        </p:txBody>
+      </p:sp>
+    </p:spTree>
+    <p:extLst>
+      <p:ext uri="{BB962C8B-B14F-4D97-AF65-F5344CB8AC3E}">
+        <p14:creationId xmlns:p14="http://schemas.microsoft.com/office/powerpoint/2010/main" val="1002253591"/>
       </p:ext>
     </p:extLst>
   </p:cSld>
